--- a/en-us/images/connector/source/auth_bot_to_bot_connector.pptx
+++ b/en-us/images/connector/source/auth_bot_to_bot_connector.pptx
@@ -104,6 +104,11 @@
       </a:defRPr>
     </a:lvl9pPr>
   </p:defaultTextStyle>
+  <p:extLst>
+    <p:ext uri="{EFAFB233-063F-42B5-8137-9DF3F51BA10A}">
+      <p15:sldGuideLst xmlns:p15="http://schemas.microsoft.com/office/powerpoint/2012/main"/>
+    </p:ext>
+  </p:extLst>
 </p:presentation>
 </file>
 
@@ -152,7 +157,6 @@
               <a:rPr lang="en-US"/>
               <a:t>Click to edit Master title style</a:t>
             </a:r>
-            <a:endParaRPr lang="en-US"/>
           </a:p>
         </p:txBody>
       </p:sp>
@@ -217,7 +221,6 @@
               <a:rPr lang="en-US"/>
               <a:t>Click to edit Master subtitle style</a:t>
             </a:r>
-            <a:endParaRPr lang="en-US"/>
           </a:p>
         </p:txBody>
       </p:sp>
@@ -335,7 +338,6 @@
               <a:rPr lang="en-US"/>
               <a:t>Click to edit Master title style</a:t>
             </a:r>
-            <a:endParaRPr lang="en-US"/>
           </a:p>
         </p:txBody>
       </p:sp>
@@ -387,7 +389,6 @@
               <a:rPr lang="en-US"/>
               <a:t>Fifth level</a:t>
             </a:r>
-            <a:endParaRPr lang="en-US"/>
           </a:p>
         </p:txBody>
       </p:sp>
@@ -510,7 +511,6 @@
               <a:rPr lang="en-US"/>
               <a:t>Click to edit Master title style</a:t>
             </a:r>
-            <a:endParaRPr lang="en-US"/>
           </a:p>
         </p:txBody>
       </p:sp>
@@ -567,7 +567,6 @@
               <a:rPr lang="en-US"/>
               <a:t>Fifth level</a:t>
             </a:r>
-            <a:endParaRPr lang="en-US"/>
           </a:p>
         </p:txBody>
       </p:sp>
@@ -685,7 +684,6 @@
               <a:rPr lang="en-US"/>
               <a:t>Click to edit Master title style</a:t>
             </a:r>
-            <a:endParaRPr lang="en-US"/>
           </a:p>
         </p:txBody>
       </p:sp>
@@ -737,7 +735,6 @@
               <a:rPr lang="en-US"/>
               <a:t>Fifth level</a:t>
             </a:r>
-            <a:endParaRPr lang="en-US"/>
           </a:p>
         </p:txBody>
       </p:sp>
@@ -864,7 +861,6 @@
               <a:rPr lang="en-US"/>
               <a:t>Click to edit Master title style</a:t>
             </a:r>
-            <a:endParaRPr lang="en-US"/>
           </a:p>
         </p:txBody>
       </p:sp>
@@ -1101,7 +1097,6 @@
               <a:rPr lang="en-US"/>
               <a:t>Click to edit Master title style</a:t>
             </a:r>
-            <a:endParaRPr lang="en-US"/>
           </a:p>
         </p:txBody>
       </p:sp>
@@ -1158,7 +1153,6 @@
               <a:rPr lang="en-US"/>
               <a:t>Fifth level</a:t>
             </a:r>
-            <a:endParaRPr lang="en-US"/>
           </a:p>
         </p:txBody>
       </p:sp>
@@ -1215,7 +1209,6 @@
               <a:rPr lang="en-US"/>
               <a:t>Fifth level</a:t>
             </a:r>
-            <a:endParaRPr lang="en-US"/>
           </a:p>
         </p:txBody>
       </p:sp>
@@ -1338,7 +1331,6 @@
               <a:rPr lang="en-US"/>
               <a:t>Click to edit Master title style</a:t>
             </a:r>
-            <a:endParaRPr lang="en-US"/>
           </a:p>
         </p:txBody>
       </p:sp>
@@ -1460,7 +1452,6 @@
               <a:rPr lang="en-US"/>
               <a:t>Fifth level</a:t>
             </a:r>
-            <a:endParaRPr lang="en-US"/>
           </a:p>
         </p:txBody>
       </p:sp>
@@ -1582,7 +1573,6 @@
               <a:rPr lang="en-US"/>
               <a:t>Fifth level</a:t>
             </a:r>
-            <a:endParaRPr lang="en-US"/>
           </a:p>
         </p:txBody>
       </p:sp>
@@ -1700,7 +1690,6 @@
               <a:rPr lang="en-US"/>
               <a:t>Click to edit Master title style</a:t>
             </a:r>
-            <a:endParaRPr lang="en-US"/>
           </a:p>
         </p:txBody>
       </p:sp>
@@ -1922,7 +1911,6 @@
               <a:rPr lang="en-US"/>
               <a:t>Click to edit Master title style</a:t>
             </a:r>
-            <a:endParaRPr lang="en-US"/>
           </a:p>
         </p:txBody>
       </p:sp>
@@ -2007,7 +1995,6 @@
               <a:rPr lang="en-US"/>
               <a:t>Fifth level</a:t>
             </a:r>
-            <a:endParaRPr lang="en-US"/>
           </a:p>
         </p:txBody>
       </p:sp>
@@ -2199,7 +2186,6 @@
               <a:rPr lang="en-US"/>
               <a:t>Click to edit Master title style</a:t>
             </a:r>
-            <a:endParaRPr lang="en-US"/>
           </a:p>
         </p:txBody>
       </p:sp>
@@ -2458,7 +2444,6 @@
               <a:rPr lang="en-US"/>
               <a:t>Click to edit Master title style</a:t>
             </a:r>
-            <a:endParaRPr lang="en-US"/>
           </a:p>
         </p:txBody>
       </p:sp>
@@ -2520,7 +2505,6 @@
               <a:rPr lang="en-US"/>
               <a:t>Fifth level</a:t>
             </a:r>
-            <a:endParaRPr lang="en-US"/>
           </a:p>
         </p:txBody>
       </p:sp>
@@ -3114,12 +3098,13 @@
           <a:p>
             <a:pPr algn="ctr"/>
             <a:r>
-              <a:rPr lang="en-US" sz="2400" dirty="0">
-                <a:latin typeface="Segoe UI" panose="020B0502040204020203" pitchFamily="34" charset="0"/>
-                <a:cs typeface="Segoe UI" panose="020B0502040204020203" pitchFamily="34" charset="0"/>
-              </a:rPr>
-              <a:t>MSA Login Service</a:t>
-            </a:r>
+              <a:rPr lang="en-US" sz="2400" dirty="0"/>
+              <a:t>MSA/AAD v2 login service</a:t>
+            </a:r>
+            <a:endParaRPr lang="en-US" sz="3200" dirty="0">
+              <a:latin typeface="Segoe UI" panose="020B0502040204020203" pitchFamily="34" charset="0"/>
+              <a:cs typeface="Segoe UI" panose="020B0502040204020203" pitchFamily="34" charset="0"/>
+            </a:endParaRPr>
           </a:p>
         </p:txBody>
       </p:sp>
@@ -3211,7 +3196,7 @@
         <p:spPr>
           <a:xfrm>
             <a:off x="4070114" y="1671736"/>
-            <a:ext cx="3048591" cy="338554"/>
+            <a:ext cx="3124061" cy="584775"/>
           </a:xfrm>
           <a:prstGeom prst="rect">
             <a:avLst/>
@@ -3219,7 +3204,7 @@
           <a:noFill/>
         </p:spPr>
         <p:txBody>
-          <a:bodyPr wrap="none" rtlCol="0">
+          <a:bodyPr wrap="square" rtlCol="0">
             <a:spAutoFit/>
           </a:bodyPr>
           <a:lstStyle/>
@@ -3229,8 +3214,19 @@
                 <a:latin typeface="Segoe UI" panose="020B0502040204020203" pitchFamily="34" charset="0"/>
                 <a:cs typeface="Segoe UI" panose="020B0502040204020203" pitchFamily="34" charset="0"/>
               </a:rPr>
-              <a:t>1: POST to MSA Login Service</a:t>
-            </a:r>
+              <a:t>1: POST to </a:t>
+            </a:r>
+            <a:r>
+              <a:rPr lang="en-US" sz="1600" b="1" dirty="0">
+                <a:latin typeface="Segoe UI" panose="020B0502040204020203" pitchFamily="34" charset="0"/>
+                <a:cs typeface="Segoe UI" panose="020B0502040204020203" pitchFamily="34" charset="0"/>
+              </a:rPr>
+              <a:t>MSA/AAD v2 login service</a:t>
+            </a:r>
+            <a:endParaRPr lang="en-US" sz="1600" b="1" dirty="0">
+              <a:latin typeface="Segoe UI" panose="020B0502040204020203" pitchFamily="34" charset="0"/>
+              <a:cs typeface="Segoe UI" panose="020B0502040204020203" pitchFamily="34" charset="0"/>
+            </a:endParaRPr>
           </a:p>
         </p:txBody>
       </p:sp>
